--- a/git및github첫걸음10-readme-gitignore.pptx
+++ b/git및github첫걸음10-readme-gitignore.pptx
@@ -2746,7 +2746,7 @@
               <a:rPr lang="ko-KR" altLang="en-US" dirty="0">
                 <a:latin typeface="+mn-ea"/>
               </a:rPr>
-              <a:t>각기 사용하는 </a:t>
+              <a:t>사용하는 </a:t>
             </a:r>
             <a:r>
               <a:rPr lang="en-US" altLang="ko-KR" dirty="0">
@@ -2758,7 +2758,7 @@
               <a:rPr lang="ko-KR" altLang="en-US" dirty="0">
                 <a:latin typeface="+mn-ea"/>
               </a:rPr>
-              <a:t>종류에 따라 제외 파일 및 기타 개발자가 제외하고 싶은 파일</a:t>
+              <a:t>종류에 따라 자동 설정되는 파일 및 기타 개발자가 제외하고 싶은 파일</a:t>
             </a:r>
             <a:endParaRPr lang="en-US" altLang="ko-KR" dirty="0">
               <a:latin typeface="+mn-ea"/>
@@ -2772,18 +2772,214 @@
               <a:rPr lang="en-US" altLang="ko-KR" dirty="0">
                 <a:latin typeface="+mn-ea"/>
               </a:rPr>
-              <a:t>     </a:t>
-            </a:r>
-            <a:r>
-              <a:rPr lang="en-US" altLang="ko-KR" dirty="0">
-                <a:latin typeface="+mn-ea"/>
-                <a:hlinkClick r:id="rId3"/>
-              </a:rPr>
-              <a:t>https://www.gitignore.io</a:t>
+              <a:t>    - IDE</a:t>
+            </a:r>
+            <a:r>
+              <a:rPr lang="ko-KR" altLang="en-US" dirty="0">
+                <a:latin typeface="+mn-ea"/>
+              </a:rPr>
+              <a:t> 및 사용시스템에 따라 </a:t>
+            </a:r>
+            <a:r>
+              <a:rPr lang="en-US" altLang="ko-KR" dirty="0">
+                <a:latin typeface="+mn-ea"/>
+              </a:rPr>
+              <a:t>.</a:t>
+            </a:r>
+            <a:r>
+              <a:rPr lang="en-US" altLang="ko-KR" dirty="0" err="1">
+                <a:latin typeface="+mn-ea"/>
+              </a:rPr>
+              <a:t>gitignore</a:t>
+            </a:r>
+            <a:r>
+              <a:rPr lang="ko-KR" altLang="en-US" dirty="0">
+                <a:latin typeface="+mn-ea"/>
+              </a:rPr>
+              <a:t>를 자동 구성해 주는 </a:t>
             </a:r>
             <a:endParaRPr lang="en-US" altLang="ko-KR" dirty="0">
               <a:latin typeface="+mn-ea"/>
             </a:endParaRPr>
+          </a:p>
+          <a:p>
+            <a:pPr marL="450850" lvl="1" indent="0">
+              <a:buNone/>
+            </a:pPr>
+            <a:r>
+              <a:rPr lang="en-US" altLang="ko-KR" dirty="0">
+                <a:latin typeface="+mn-ea"/>
+              </a:rPr>
+              <a:t>      </a:t>
+            </a:r>
+            <a:r>
+              <a:rPr lang="ko-KR" altLang="en-US" dirty="0">
+                <a:latin typeface="+mn-ea"/>
+              </a:rPr>
+              <a:t>사이트 </a:t>
+            </a:r>
+            <a:r>
+              <a:rPr lang="en-US" altLang="ko-KR" dirty="0">
+                <a:latin typeface="+mn-ea"/>
+              </a:rPr>
+              <a:t>: </a:t>
+            </a:r>
+            <a:r>
+              <a:rPr lang="en-US" altLang="ko-KR" dirty="0">
+                <a:latin typeface="+mn-ea"/>
+                <a:hlinkClick r:id="rId3"/>
+              </a:rPr>
+              <a:t>https://www.gitignore.io</a:t>
+            </a:r>
+            <a:endParaRPr lang="en-US" altLang="ko-KR" dirty="0">
+              <a:latin typeface="+mn-ea"/>
+            </a:endParaRPr>
+          </a:p>
+          <a:p>
+            <a:pPr marL="450850" lvl="1" indent="0">
+              <a:buNone/>
+            </a:pPr>
+            <a:r>
+              <a:rPr lang="en-US" altLang="ko-KR" dirty="0">
+                <a:latin typeface="+mn-ea"/>
+              </a:rPr>
+              <a:t>    </a:t>
+            </a:r>
+            <a:r>
+              <a:rPr lang="en-US" altLang="ko-KR" dirty="0">
+                <a:latin typeface="맑은 고딕" panose="020B0503020000020004" pitchFamily="50" charset="-127"/>
+                <a:ea typeface="맑은 고딕" panose="020B0503020000020004" pitchFamily="50" charset="-127"/>
+              </a:rPr>
+              <a:t>※ IDE</a:t>
+            </a:r>
+            <a:r>
+              <a:rPr lang="ko-KR" altLang="en-US" dirty="0">
+                <a:latin typeface="맑은 고딕" panose="020B0503020000020004" pitchFamily="50" charset="-127"/>
+                <a:ea typeface="맑은 고딕" panose="020B0503020000020004" pitchFamily="50" charset="-127"/>
+              </a:rPr>
+              <a:t>가 생성하는 설정파일은 </a:t>
+            </a:r>
+            <a:r>
+              <a:rPr lang="en-US" altLang="ko-KR" dirty="0">
+                <a:latin typeface="맑은 고딕" panose="020B0503020000020004" pitchFamily="50" charset="-127"/>
+                <a:ea typeface="맑은 고딕" panose="020B0503020000020004" pitchFamily="50" charset="-127"/>
+              </a:rPr>
+              <a:t>push</a:t>
+            </a:r>
+            <a:r>
+              <a:rPr lang="ko-KR" altLang="en-US" dirty="0">
+                <a:latin typeface="맑은 고딕" panose="020B0503020000020004" pitchFamily="50" charset="-127"/>
+                <a:ea typeface="맑은 고딕" panose="020B0503020000020004" pitchFamily="50" charset="-127"/>
+              </a:rPr>
+              <a:t>하지 않도록 주의</a:t>
+            </a:r>
+            <a:endParaRPr lang="en-US" altLang="ko-KR" dirty="0">
+              <a:latin typeface="맑은 고딕" panose="020B0503020000020004" pitchFamily="50" charset="-127"/>
+              <a:ea typeface="맑은 고딕" panose="020B0503020000020004" pitchFamily="50" charset="-127"/>
+            </a:endParaRPr>
+          </a:p>
+          <a:p>
+            <a:pPr marL="450850" lvl="1" indent="0">
+              <a:buNone/>
+            </a:pPr>
+            <a:r>
+              <a:rPr lang="en-US" altLang="ko-KR" dirty="0">
+                <a:latin typeface="맑은 고딕" panose="020B0503020000020004" pitchFamily="50" charset="-127"/>
+                <a:ea typeface="맑은 고딕" panose="020B0503020000020004" pitchFamily="50" charset="-127"/>
+              </a:rPr>
+              <a:t>      </a:t>
+            </a:r>
+            <a:r>
+              <a:rPr lang="ko-KR" altLang="en-US" dirty="0">
+                <a:latin typeface="맑은 고딕" panose="020B0503020000020004" pitchFamily="50" charset="-127"/>
+                <a:ea typeface="맑은 고딕" panose="020B0503020000020004" pitchFamily="50" charset="-127"/>
+              </a:rPr>
+              <a:t>예</a:t>
+            </a:r>
+            <a:r>
+              <a:rPr lang="en-US" altLang="ko-KR" dirty="0">
+                <a:latin typeface="맑은 고딕" panose="020B0503020000020004" pitchFamily="50" charset="-127"/>
+                <a:ea typeface="맑은 고딕" panose="020B0503020000020004" pitchFamily="50" charset="-127"/>
+              </a:rPr>
+              <a:t>) • Visual Studio : .vs/,</a:t>
+            </a:r>
+            <a:r>
+              <a:rPr lang="ko-KR" altLang="en-US" dirty="0">
+                <a:latin typeface="맑은 고딕" panose="020B0503020000020004" pitchFamily="50" charset="-127"/>
+                <a:ea typeface="맑은 고딕" panose="020B0503020000020004" pitchFamily="50" charset="-127"/>
+              </a:rPr>
+              <a:t> </a:t>
+            </a:r>
+            <a:r>
+              <a:rPr lang="en-US" altLang="ko-KR" dirty="0">
+                <a:latin typeface="맑은 고딕" panose="020B0503020000020004" pitchFamily="50" charset="-127"/>
+                <a:ea typeface="맑은 고딕" panose="020B0503020000020004" pitchFamily="50" charset="-127"/>
+              </a:rPr>
+              <a:t>.bin/,</a:t>
+            </a:r>
+            <a:r>
+              <a:rPr lang="ko-KR" altLang="en-US" dirty="0">
+                <a:latin typeface="맑은 고딕" panose="020B0503020000020004" pitchFamily="50" charset="-127"/>
+                <a:ea typeface="맑은 고딕" panose="020B0503020000020004" pitchFamily="50" charset="-127"/>
+              </a:rPr>
+              <a:t> </a:t>
+            </a:r>
+            <a:r>
+              <a:rPr lang="en-US" altLang="ko-KR" dirty="0">
+                <a:latin typeface="맑은 고딕" panose="020B0503020000020004" pitchFamily="50" charset="-127"/>
+                <a:ea typeface="맑은 고딕" panose="020B0503020000020004" pitchFamily="50" charset="-127"/>
+              </a:rPr>
+              <a:t>.obj/</a:t>
+            </a:r>
+          </a:p>
+          <a:p>
+            <a:pPr marL="450850" lvl="1" indent="0">
+              <a:buNone/>
+            </a:pPr>
+            <a:r>
+              <a:rPr lang="en-US" altLang="ko-KR" dirty="0">
+                <a:latin typeface="맑은 고딕" panose="020B0503020000020004" pitchFamily="50" charset="-127"/>
+                <a:ea typeface="맑은 고딕" panose="020B0503020000020004" pitchFamily="50" charset="-127"/>
+              </a:rPr>
+              <a:t>           • PyCharm, IntelliJ : .idea, /</a:t>
+            </a:r>
+            <a:r>
+              <a:rPr lang="en-US" altLang="ko-KR" dirty="0" err="1">
+                <a:latin typeface="맑은 고딕" panose="020B0503020000020004" pitchFamily="50" charset="-127"/>
+                <a:ea typeface="맑은 고딕" panose="020B0503020000020004" pitchFamily="50" charset="-127"/>
+              </a:rPr>
+              <a:t>venv</a:t>
+            </a:r>
+            <a:endParaRPr lang="en-US" altLang="ko-KR" dirty="0">
+              <a:latin typeface="맑은 고딕" panose="020B0503020000020004" pitchFamily="50" charset="-127"/>
+              <a:ea typeface="맑은 고딕" panose="020B0503020000020004" pitchFamily="50" charset="-127"/>
+            </a:endParaRPr>
+          </a:p>
+          <a:p>
+            <a:pPr marL="450850" lvl="1" indent="0">
+              <a:buNone/>
+            </a:pPr>
+            <a:r>
+              <a:rPr lang="en-US" altLang="ko-KR" dirty="0">
+                <a:latin typeface="맑은 고딕" panose="020B0503020000020004" pitchFamily="50" charset="-127"/>
+                <a:ea typeface="맑은 고딕" panose="020B0503020000020004" pitchFamily="50" charset="-127"/>
+              </a:rPr>
+              <a:t>           • Eclipse : .</a:t>
+            </a:r>
+            <a:r>
+              <a:rPr lang="en-US" altLang="ko-KR" dirty="0" err="1">
+                <a:latin typeface="맑은 고딕" panose="020B0503020000020004" pitchFamily="50" charset="-127"/>
+                <a:ea typeface="맑은 고딕" panose="020B0503020000020004" pitchFamily="50" charset="-127"/>
+              </a:rPr>
+              <a:t>classpath</a:t>
+            </a:r>
+            <a:r>
+              <a:rPr lang="en-US" altLang="ko-KR" dirty="0">
+                <a:latin typeface="맑은 고딕" panose="020B0503020000020004" pitchFamily="50" charset="-127"/>
+                <a:ea typeface="맑은 고딕" panose="020B0503020000020004" pitchFamily="50" charset="-127"/>
+              </a:rPr>
+              <a:t>, .project</a:t>
+            </a:r>
           </a:p>
           <a:p>
             <a:pPr marL="793750" lvl="1" indent="-342900">
@@ -2857,8 +3053,8 @@
         </p:blipFill>
         <p:spPr>
           <a:xfrm>
-            <a:off x="1088571" y="3555426"/>
-            <a:ext cx="4321629" cy="2577814"/>
+            <a:off x="6092360" y="2804315"/>
+            <a:ext cx="3036475" cy="1811231"/>
           </a:xfrm>
           <a:prstGeom prst="rect">
             <a:avLst/>
